--- a/report.pptx
+++ b/report.pptx
@@ -2524,7 +2524,7 @@
         <p:spPr>
           <a:xfrm>
             <a:off x="435430" y="2699657"/>
-            <a:ext cx="6422570" cy="6825344"/>
+            <a:ext cx="6409954" cy="6825344"/>
           </a:xfrm>
           <a:noFill/>
           <a:ln>
@@ -2544,7 +2544,7 @@
               <a:rPr lang="en-US" altLang="zh-Hans" sz="2000" dirty="0">
                 <a:cs typeface="Arial" panose="020B0604020202020204" pitchFamily="34" charset="0"/>
               </a:rPr>
-              <a:t>Volatility is one of the main character of stock market that people love and hate. Intuitively, the fluctuation of a stock is affected by the general trend of the same class of stocks, and other relatively individual factors. For example, the stock trend of an oil company maybe influenced by the international oil price and its own management. We regard the first factor as the “background” while the second one as “noise”. </a:t>
+              <a:t>Volatility is one of the main character of stock market that people love and hate. Intuitively, the fluctuation of a stock is affected by the general trend of the same class of stocks, and other relatively individual factors. For example, the stock trend of an oil company maybe influenced by the inter-national oil price and its own management. We regard the first factor as the “background” while the second one as “noise”. </a:t>
             </a:r>
           </a:p>
           <a:p>
@@ -2569,7 +2569,7 @@
               <a:rPr lang="en-US" altLang="zh-Hans" sz="2000" dirty="0">
                 <a:cs typeface="Arial" panose="020B0604020202020204" pitchFamily="34" charset="0"/>
               </a:rPr>
-              <a:t>. To better evaluate the performance, we convert our problem into a classification task using SNP500 dataset. Specifically, given a stock, we will try to recognize its underlying class (10 classes in total, e.g. Industries, Information Technology, etc.), based on the assumption that stocks in the same class will have similar trend. That’s is, higher accuracy one will achieve if he could better characterize the trends of stocks.</a:t>
+              <a:t>. To better evaluate the performance, we convert our problem into a classification task using SNP500 dataset. Specifically, given a stock, we will try to recognize its underlying class (10 classes in total, e.g. Industries, Information Technology, etc.), based on the assumption that stocks in the same class will have similar trend. That is, higher accuracy can be achieved if one could better characterize the trends of stocks.</a:t>
             </a:r>
           </a:p>
           <a:p>
@@ -2657,8 +2657,8 @@
             </p:nvSpPr>
             <p:spPr>
               <a:xfrm>
-                <a:off x="453932" y="9895020"/>
-                <a:ext cx="6422571" cy="5878474"/>
+                <a:off x="453932" y="9895019"/>
+                <a:ext cx="6422571" cy="6174187"/>
               </a:xfrm>
             </p:spPr>
             <p:txBody>
@@ -2704,18 +2704,24 @@
                     <m:sSub>
                       <m:sSubPr>
                         <m:ctrlPr>
-                          <a:rPr lang="en-US" sz="2000"/>
+                          <a:rPr lang="en-US" sz="2000" i="1">
+                            <a:latin typeface="Cambria Math" panose="02040503050406030204" pitchFamily="18" charset="0"/>
+                          </a:rPr>
                         </m:ctrlPr>
                       </m:sSubPr>
                       <m:e>
                         <m:r>
-                          <a:rPr lang="en-US" sz="2000"/>
+                          <a:rPr lang="en-US" sz="2000">
+                            <a:latin typeface="Cambria Math" panose="02040503050406030204" pitchFamily="18" charset="0"/>
+                          </a:rPr>
                           <m:t>𝐿</m:t>
                         </m:r>
                       </m:e>
                       <m:sub>
                         <m:r>
-                          <a:rPr lang="en-US" sz="2000"/>
+                          <a:rPr lang="en-US" sz="2000">
+                            <a:latin typeface="Cambria Math" panose="02040503050406030204" pitchFamily="18" charset="0"/>
+                          </a:rPr>
                           <m:t>0</m:t>
                         </m:r>
                       </m:sub>
@@ -2731,18 +2737,24 @@
                     <m:sSub>
                       <m:sSubPr>
                         <m:ctrlPr>
-                          <a:rPr lang="en-US" sz="2000"/>
+                          <a:rPr lang="en-US" sz="2000" i="1">
+                            <a:latin typeface="Cambria Math" panose="02040503050406030204" pitchFamily="18" charset="0"/>
+                          </a:rPr>
                         </m:ctrlPr>
                       </m:sSubPr>
                       <m:e>
                         <m:r>
-                          <a:rPr lang="en-US" sz="2000"/>
+                          <a:rPr lang="en-US" sz="2000">
+                            <a:latin typeface="Cambria Math" panose="02040503050406030204" pitchFamily="18" charset="0"/>
+                          </a:rPr>
                           <m:t>𝑆</m:t>
                         </m:r>
                       </m:e>
                       <m:sub>
                         <m:r>
-                          <a:rPr lang="en-US" sz="2000"/>
+                          <a:rPr lang="en-US" sz="2000">
+                            <a:latin typeface="Cambria Math" panose="02040503050406030204" pitchFamily="18" charset="0"/>
+                          </a:rPr>
                           <m:t>0</m:t>
                         </m:r>
                       </m:sub>
@@ -2756,51 +2768,69 @@
                 <a14:m>
                   <m:oMath xmlns:m="http://schemas.openxmlformats.org/officeDocument/2006/math">
                     <m:r>
-                      <a:rPr lang="en-US" sz="2000"/>
+                      <a:rPr lang="en-US" sz="2000">
+                        <a:latin typeface="Cambria Math" panose="02040503050406030204" pitchFamily="18" charset="0"/>
+                      </a:rPr>
                       <m:t>𝐷</m:t>
                     </m:r>
                     <m:r>
-                      <a:rPr lang="en-US" sz="2000"/>
+                      <a:rPr lang="en-US" sz="2000">
+                        <a:latin typeface="Cambria Math" panose="02040503050406030204" pitchFamily="18" charset="0"/>
+                      </a:rPr>
                       <m:t>=</m:t>
                     </m:r>
                     <m:sSub>
                       <m:sSubPr>
                         <m:ctrlPr>
-                          <a:rPr lang="en-US" sz="2000"/>
+                          <a:rPr lang="en-US" sz="2000" i="1">
+                            <a:latin typeface="Cambria Math" panose="02040503050406030204" pitchFamily="18" charset="0"/>
+                          </a:rPr>
                         </m:ctrlPr>
                       </m:sSubPr>
                       <m:e>
                         <m:r>
-                          <a:rPr lang="en-US" sz="2000"/>
+                          <a:rPr lang="en-US" sz="2000">
+                            <a:latin typeface="Cambria Math" panose="02040503050406030204" pitchFamily="18" charset="0"/>
+                          </a:rPr>
                           <m:t>𝐿</m:t>
                         </m:r>
                       </m:e>
                       <m:sub>
                         <m:r>
-                          <a:rPr lang="en-US" sz="2000"/>
+                          <a:rPr lang="en-US" sz="2000">
+                            <a:latin typeface="Cambria Math" panose="02040503050406030204" pitchFamily="18" charset="0"/>
+                          </a:rPr>
                           <m:t>0</m:t>
                         </m:r>
                       </m:sub>
                     </m:sSub>
                     <m:r>
-                      <a:rPr lang="en-US" sz="2000"/>
+                      <a:rPr lang="en-US" sz="2000">
+                        <a:latin typeface="Cambria Math" panose="02040503050406030204" pitchFamily="18" charset="0"/>
+                      </a:rPr>
                       <m:t>+</m:t>
                     </m:r>
                     <m:sSub>
                       <m:sSubPr>
                         <m:ctrlPr>
-                          <a:rPr lang="en-US" sz="2000"/>
+                          <a:rPr lang="en-US" sz="2000" i="1">
+                            <a:latin typeface="Cambria Math" panose="02040503050406030204" pitchFamily="18" charset="0"/>
+                          </a:rPr>
                         </m:ctrlPr>
                       </m:sSubPr>
                       <m:e>
                         <m:r>
-                          <a:rPr lang="en-US" sz="2000"/>
+                          <a:rPr lang="en-US" sz="2000">
+                            <a:latin typeface="Cambria Math" panose="02040503050406030204" pitchFamily="18" charset="0"/>
+                          </a:rPr>
                           <m:t>𝑆</m:t>
                         </m:r>
                       </m:e>
                       <m:sub>
                         <m:r>
-                          <a:rPr lang="en-US" sz="2000"/>
+                          <a:rPr lang="en-US" sz="2000">
+                            <a:latin typeface="Cambria Math" panose="02040503050406030204" pitchFamily="18" charset="0"/>
+                          </a:rPr>
                           <m:t>0</m:t>
                         </m:r>
                       </m:sub>
@@ -2823,7 +2853,7 @@
                 </a:pPr>
                 <a:r>
                   <a:rPr lang="en-US" sz="2000" dirty="0"/>
-                  <a:t>We base our experiment on the assumption that stocks will have similar trends within class while different trends between classes. If the main variance of the data comes from these trends instead of the noise, PCA should be able to capture them. For another, the main trends should be of low rank, since stocks are highly correlated. In this case, </a:t>
+                  <a:t>We base our experiment on the assumption that stocks will have similar trends within classes while different trends between classes. If the main variance of the data comes from these trends instead of the noise, PCA should be able to capture them. For another, the main trends should be of low rank, since stocks are highly correlated. In this case, </a:t>
                 </a:r>
                 <a:r>
                   <a:rPr lang="en-US" sz="2000" dirty="0" err="1"/>
@@ -2835,7 +2865,7 @@
                 </a:r>
                 <a:r>
                   <a:rPr lang="en-HK" sz="2000" dirty="0"/>
-                  <a:t>surveillance video.</a:t>
+                  <a:t>video surveillance.</a:t>
                 </a:r>
                 <a:endParaRPr lang="en-US" sz="2000" dirty="0"/>
               </a:p>
@@ -2877,13 +2907,13 @@
             </p:nvSpPr>
             <p:spPr>
               <a:xfrm>
-                <a:off x="453932" y="9895020"/>
-                <a:ext cx="6422571" cy="5878474"/>
+                <a:off x="453932" y="9895019"/>
+                <a:ext cx="6422571" cy="6174187"/>
               </a:xfrm>
               <a:blipFill>
                 <a:blip r:embed="rId4"/>
                 <a:stretch>
-                  <a:fillRect l="-1188" t="-431" b="-6466"/>
+                  <a:fillRect l="-1188" t="-411" r="-990" b="-1437"/>
                 </a:stretch>
               </a:blipFill>
             </p:spPr>
@@ -2994,21 +3024,27 @@
             <a:r>
               <a:rPr lang="en-HK" sz="1600" dirty="0">
                 <a:cs typeface="Calibri"/>
+                <a:hlinkClick r:id="rId5"/>
               </a:rPr>
               <a:t>https://</a:t>
             </a:r>
             <a:r>
               <a:rPr lang="en-HK" sz="1600" dirty="0" err="1">
                 <a:cs typeface="Calibri"/>
+                <a:hlinkClick r:id="rId5"/>
               </a:rPr>
               <a:t>yao-lab.github.io</a:t>
             </a:r>
             <a:r>
               <a:rPr lang="en-HK" sz="1600" dirty="0">
                 <a:cs typeface="Calibri"/>
+                <a:hlinkClick r:id="rId5"/>
               </a:rPr>
               <a:t>/data/snp452-data.mat </a:t>
             </a:r>
+            <a:endParaRPr lang="en-HK" sz="1600" dirty="0">
+              <a:cs typeface="Calibri"/>
+            </a:endParaRPr>
           </a:p>
           <a:p>
             <a:pPr marL="0" indent="0">
@@ -3022,7 +3058,7 @@
             </a:r>
             <a:r>
               <a:rPr lang="en-HK" sz="1600" dirty="0">
-                <a:hlinkClick r:id="rId5"/>
+                <a:hlinkClick r:id="rId6"/>
               </a:rPr>
               <a:t>https://github.com/yao-lab/yao-lab.github.io/blob/master/book_datasci.pdf</a:t>
             </a:r>
@@ -3038,7 +3074,7 @@
             </a:r>
             <a:r>
               <a:rPr lang="en-HK" sz="1600" dirty="0">
-                <a:hlinkClick r:id="rId6"/>
+                <a:hlinkClick r:id="rId7"/>
               </a:rPr>
               <a:t>https://github.com/ZhicongLiang/SNP500-Stock-Trend</a:t>
             </a:r>
@@ -3190,7 +3226,7 @@
                   <a:rPr lang="en-US" altLang="zh-Hans" sz="2000" dirty="0">
                     <a:cs typeface="Arial" panose="020B0604020202020204" pitchFamily="34" charset="0"/>
                   </a:rPr>
-                  <a:t>From Figure 2, we find that the low-rank components (the middle figure) of 10 stocks from IT have similar pattern (enclosed by black boxes) that is hard to notice in raw data. Separating out these main trend, our classifier achieve the best result as shown in Table 1.</a:t>
+                  <a:t>From Figure 2, we find that the low-rank components (the middle figure) of 10 stocks from IT have similar pattern (enclosed by black boxes) that is hard to notice in raw data. Separating out these main trends, our classifier achieve the best result as shown in Table 1.</a:t>
                 </a:r>
               </a:p>
               <a:p>
@@ -3596,7 +3632,7 @@
                 <a:ext cx="6422571" cy="9840686"/>
               </a:xfrm>
               <a:blipFill>
-                <a:blip r:embed="rId7"/>
+                <a:blip r:embed="rId8"/>
                 <a:stretch>
                   <a:fillRect l="-1186" t="-258" r="-1186" b="-387"/>
                 </a:stretch>
@@ -3778,7 +3814,7 @@
               <a:rPr lang="en-US" sz="2000" dirty="0">
                 <a:cs typeface="Arial" panose="020B0604020202020204" pitchFamily="34" charset="0"/>
               </a:rPr>
-              <a:t> [4]. We use 300 stocks as our training set while the last 152 as our test set. Results are reported under the best hyper-parameter settings with 5 runs of different random seeds, as in Table 1.</a:t>
+              <a:t> [4]. We use 300 stocks as our training set while the remaining 152 as our test set. Results are reported under the best hyper-parameter settings with 5 runs of different random seeds, shown in Table 1.</a:t>
             </a:r>
           </a:p>
           <a:p>
@@ -3806,8 +3842,8 @@
             <a:chExt cx="5676015" cy="3308598"/>
           </a:xfrm>
         </p:grpSpPr>
-        <mc:AlternateContent xmlns:mc="http://schemas.openxmlformats.org/markup-compatibility/2006">
-          <mc:Choice xmlns:a14="http://schemas.microsoft.com/office/drawing/2010/main" Requires="a14">
+        <mc:AlternateContent xmlns:mc="http://schemas.openxmlformats.org/markup-compatibility/2006" xmlns:a14="http://schemas.microsoft.com/office/drawing/2010/main">
+          <mc:Choice Requires="a14">
             <p:sp>
               <p:nvSpPr>
                 <p:cNvPr id="42" name="TextBox 41">
@@ -3987,7 +4023,7 @@
               </p:txBody>
             </p:sp>
           </mc:Choice>
-          <mc:Fallback>
+          <mc:Fallback xmlns="">
             <p:sp>
               <p:nvSpPr>
                 <p:cNvPr id="42" name="TextBox 41">
@@ -4011,7 +4047,7 @@
                   <a:avLst/>
                 </a:prstGeom>
                 <a:blipFill>
-                  <a:blip r:embed="rId8"/>
+                  <a:blip r:embed="rId9"/>
                   <a:stretch>
                     <a:fillRect b="-33333"/>
                   </a:stretch>
@@ -4197,7 +4233,7 @@
             <p:nvPr/>
           </p:nvPicPr>
           <p:blipFill>
-            <a:blip r:embed="rId9"/>
+            <a:blip r:embed="rId10"/>
             <a:stretch>
               <a:fillRect/>
             </a:stretch>
@@ -4228,7 +4264,7 @@
           <p:nvPr/>
         </p:nvPicPr>
         <p:blipFill>
-          <a:blip r:embed="rId10"/>
+          <a:blip r:embed="rId11"/>
           <a:stretch>
             <a:fillRect/>
           </a:stretch>
@@ -4257,7 +4293,7 @@
         </p:nvSpPr>
         <p:spPr>
           <a:xfrm>
-            <a:off x="7080386" y="15690904"/>
+            <a:off x="7080386" y="15621000"/>
             <a:ext cx="6007833" cy="707886"/>
           </a:xfrm>
           <a:prstGeom prst="rect">
@@ -4287,8 +4323,8 @@
           </a:p>
         </p:txBody>
       </p:sp>
-      <mc:AlternateContent xmlns:mc="http://schemas.openxmlformats.org/markup-compatibility/2006">
-        <mc:Choice xmlns:a14="http://schemas.microsoft.com/office/drawing/2010/main" Requires="a14">
+      <mc:AlternateContent xmlns:mc="http://schemas.openxmlformats.org/markup-compatibility/2006" xmlns:a14="http://schemas.microsoft.com/office/drawing/2010/main">
+        <mc:Choice Requires="a14">
           <p:graphicFrame>
             <p:nvGraphicFramePr>
               <p:cNvPr id="63" name="Table 62">
@@ -5343,7 +5379,7 @@
             </a:graphic>
           </p:graphicFrame>
         </mc:Choice>
-        <mc:Fallback>
+        <mc:Fallback xmlns="">
           <p:graphicFrame>
             <p:nvGraphicFramePr>
               <p:cNvPr id="63" name="Table 62">
@@ -5996,7 +6032,7 @@
                           <a:tailEnd type="none" w="med" len="med"/>
                         </a:lnB>
                         <a:blipFill>
-                          <a:blip r:embed="rId11"/>
+                          <a:blip r:embed="rId12"/>
                           <a:stretch>
                             <a:fillRect t="-302857" r="-156716" b="-120000"/>
                           </a:stretch>
@@ -6413,8 +6449,8 @@
         </p:nvSpPr>
         <p:spPr>
           <a:xfrm>
-            <a:off x="14070161" y="15854388"/>
-            <a:ext cx="6031751" cy="400110"/>
+            <a:off x="14070161" y="15773400"/>
+            <a:ext cx="6031751" cy="707886"/>
           </a:xfrm>
           <a:prstGeom prst="rect">
             <a:avLst/>
@@ -6438,7 +6474,7 @@
               <a:rPr lang="en-US" sz="2000" dirty="0">
                 <a:cs typeface="Arial" panose="020B0604020202020204" pitchFamily="34" charset="0"/>
               </a:rPr>
-              <a:t>. Decomposition of 10 stocks in IT by RPCA</a:t>
+              <a:t>. Decomposition of 10 stocks in IT by RPCA. Similar trends are enclosed by black boxes.</a:t>
             </a:r>
           </a:p>
         </p:txBody>
